--- a/lecture-materials/Security/amazon_detective/amazon_detective.pptx
+++ b/lecture-materials/Security/amazon_detective/amazon_detective.pptx
@@ -7,8 +7,9 @@
   <p:sldIdLst>
     <p:sldId id="256" r:id="rId2"/>
     <p:sldId id="257" r:id="rId3"/>
-    <p:sldId id="258" r:id="rId4"/>
-    <p:sldId id="259" r:id="rId5"/>
+    <p:sldId id="260" r:id="rId4"/>
+    <p:sldId id="258" r:id="rId5"/>
+    <p:sldId id="259" r:id="rId6"/>
   </p:sldIdLst>
   <p:sldSz cx="12192000" cy="6858000"/>
   <p:notesSz cx="6858000" cy="9144000"/>
@@ -264,7 +265,7 @@
           <a:p>
             <a:fld id="{322C9020-58D6-4B4B-AE71-CBBD8D6FD410}" type="datetimeFigureOut">
               <a:rPr lang="en-CH" smtClean="0"/>
-              <a:t>03.09.23</a:t>
+              <a:t>26.12.2023</a:t>
             </a:fld>
             <a:endParaRPr lang="en-CH"/>
           </a:p>
@@ -464,7 +465,7 @@
           <a:p>
             <a:fld id="{322C9020-58D6-4B4B-AE71-CBBD8D6FD410}" type="datetimeFigureOut">
               <a:rPr lang="en-CH" smtClean="0"/>
-              <a:t>03.09.23</a:t>
+              <a:t>26.12.2023</a:t>
             </a:fld>
             <a:endParaRPr lang="en-CH"/>
           </a:p>
@@ -674,7 +675,7 @@
           <a:p>
             <a:fld id="{322C9020-58D6-4B4B-AE71-CBBD8D6FD410}" type="datetimeFigureOut">
               <a:rPr lang="en-CH" smtClean="0"/>
-              <a:t>03.09.23</a:t>
+              <a:t>26.12.2023</a:t>
             </a:fld>
             <a:endParaRPr lang="en-CH"/>
           </a:p>
@@ -874,7 +875,7 @@
           <a:p>
             <a:fld id="{322C9020-58D6-4B4B-AE71-CBBD8D6FD410}" type="datetimeFigureOut">
               <a:rPr lang="en-CH" smtClean="0"/>
-              <a:t>03.09.23</a:t>
+              <a:t>26.12.2023</a:t>
             </a:fld>
             <a:endParaRPr lang="en-CH"/>
           </a:p>
@@ -1150,7 +1151,7 @@
           <a:p>
             <a:fld id="{322C9020-58D6-4B4B-AE71-CBBD8D6FD410}" type="datetimeFigureOut">
               <a:rPr lang="en-CH" smtClean="0"/>
-              <a:t>03.09.23</a:t>
+              <a:t>26.12.2023</a:t>
             </a:fld>
             <a:endParaRPr lang="en-CH"/>
           </a:p>
@@ -1418,7 +1419,7 @@
           <a:p>
             <a:fld id="{322C9020-58D6-4B4B-AE71-CBBD8D6FD410}" type="datetimeFigureOut">
               <a:rPr lang="en-CH" smtClean="0"/>
-              <a:t>03.09.23</a:t>
+              <a:t>26.12.2023</a:t>
             </a:fld>
             <a:endParaRPr lang="en-CH"/>
           </a:p>
@@ -1833,7 +1834,7 @@
           <a:p>
             <a:fld id="{322C9020-58D6-4B4B-AE71-CBBD8D6FD410}" type="datetimeFigureOut">
               <a:rPr lang="en-CH" smtClean="0"/>
-              <a:t>03.09.23</a:t>
+              <a:t>26.12.2023</a:t>
             </a:fld>
             <a:endParaRPr lang="en-CH"/>
           </a:p>
@@ -1975,7 +1976,7 @@
           <a:p>
             <a:fld id="{322C9020-58D6-4B4B-AE71-CBBD8D6FD410}" type="datetimeFigureOut">
               <a:rPr lang="en-CH" smtClean="0"/>
-              <a:t>03.09.23</a:t>
+              <a:t>26.12.2023</a:t>
             </a:fld>
             <a:endParaRPr lang="en-CH"/>
           </a:p>
@@ -2088,7 +2089,7 @@
           <a:p>
             <a:fld id="{322C9020-58D6-4B4B-AE71-CBBD8D6FD410}" type="datetimeFigureOut">
               <a:rPr lang="en-CH" smtClean="0"/>
-              <a:t>03.09.23</a:t>
+              <a:t>26.12.2023</a:t>
             </a:fld>
             <a:endParaRPr lang="en-CH"/>
           </a:p>
@@ -2401,7 +2402,7 @@
           <a:p>
             <a:fld id="{322C9020-58D6-4B4B-AE71-CBBD8D6FD410}" type="datetimeFigureOut">
               <a:rPr lang="en-CH" smtClean="0"/>
-              <a:t>03.09.23</a:t>
+              <a:t>26.12.2023</a:t>
             </a:fld>
             <a:endParaRPr lang="en-CH"/>
           </a:p>
@@ -2690,7 +2691,7 @@
           <a:p>
             <a:fld id="{322C9020-58D6-4B4B-AE71-CBBD8D6FD410}" type="datetimeFigureOut">
               <a:rPr lang="en-CH" smtClean="0"/>
-              <a:t>03.09.23</a:t>
+              <a:t>26.12.2023</a:t>
             </a:fld>
             <a:endParaRPr lang="en-CH"/>
           </a:p>
@@ -2933,7 +2934,7 @@
           <a:p>
             <a:fld id="{322C9020-58D6-4B4B-AE71-CBBD8D6FD410}" type="datetimeFigureOut">
               <a:rPr lang="en-CH" smtClean="0"/>
-              <a:t>03.09.23</a:t>
+              <a:t>26.12.2023</a:t>
             </a:fld>
             <a:endParaRPr lang="en-CH"/>
           </a:p>
@@ -6180,6 +6181,143 @@
 <file path=ppt/slides/slide3.xml><?xml version="1.0" encoding="utf-8"?>
 <p:sld xmlns:a="http://schemas.openxmlformats.org/drawingml/2006/main" xmlns:r="http://schemas.openxmlformats.org/officeDocument/2006/relationships" xmlns:p="http://schemas.openxmlformats.org/presentationml/2006/main">
   <p:cSld>
+    <p:spTree>
+      <p:nvGrpSpPr>
+        <p:cNvPr id="1" name=""/>
+        <p:cNvGrpSpPr/>
+        <p:nvPr/>
+      </p:nvGrpSpPr>
+      <p:grpSpPr>
+        <a:xfrm>
+          <a:off x="0" y="0"/>
+          <a:ext cx="0" cy="0"/>
+          <a:chOff x="0" y="0"/>
+          <a:chExt cx="0" cy="0"/>
+        </a:xfrm>
+      </p:grpSpPr>
+      <p:sp>
+        <p:nvSpPr>
+          <p:cNvPr id="2" name="Title 1">
+            <a:extLst>
+              <a:ext uri="{FF2B5EF4-FFF2-40B4-BE49-F238E27FC236}">
+                <a16:creationId xmlns:a16="http://schemas.microsoft.com/office/drawing/2014/main" id="{05B88D9D-2EC4-B17C-29F2-0D4DF7CE1139}"/>
+              </a:ext>
+            </a:extLst>
+          </p:cNvPr>
+          <p:cNvSpPr>
+            <a:spLocks noGrp="1"/>
+          </p:cNvSpPr>
+          <p:nvPr>
+            <p:ph type="title"/>
+          </p:nvPr>
+        </p:nvSpPr>
+        <p:spPr/>
+        <p:txBody>
+          <a:bodyPr/>
+          <a:lstStyle/>
+          <a:p>
+            <a:r>
+              <a:rPr lang="en-CH" dirty="0"/>
+              <a:t>Amazon Detective</a:t>
+            </a:r>
+          </a:p>
+        </p:txBody>
+      </p:sp>
+      <p:sp>
+        <p:nvSpPr>
+          <p:cNvPr id="3" name="Content Placeholder 2">
+            <a:extLst>
+              <a:ext uri="{FF2B5EF4-FFF2-40B4-BE49-F238E27FC236}">
+                <a16:creationId xmlns:a16="http://schemas.microsoft.com/office/drawing/2014/main" id="{F1FB2E3F-36ED-B016-8092-7F456D1CE4B7}"/>
+              </a:ext>
+            </a:extLst>
+          </p:cNvPr>
+          <p:cNvSpPr>
+            <a:spLocks noGrp="1"/>
+          </p:cNvSpPr>
+          <p:nvPr>
+            <p:ph idx="1"/>
+          </p:nvPr>
+        </p:nvSpPr>
+        <p:spPr/>
+        <p:txBody>
+          <a:bodyPr>
+            <a:normAutofit fontScale="92500"/>
+          </a:bodyPr>
+          <a:lstStyle/>
+          <a:p>
+            <a:r>
+              <a:rPr lang="en-GB" dirty="0" err="1"/>
+              <a:t>GuardDuty</a:t>
+            </a:r>
+            <a:r>
+              <a:rPr lang="en-GB" dirty="0"/>
+              <a:t>, Macie, and Security Hub are used to identify potential security issues, or findings</a:t>
+            </a:r>
+          </a:p>
+          <a:p>
+            <a:r>
+              <a:rPr lang="en-GB" dirty="0"/>
+              <a:t>Sometimes security findings require deeper analysis to isolate the root cause and take action – it’s a complex process  </a:t>
+            </a:r>
+          </a:p>
+          <a:p>
+            <a:r>
+              <a:rPr lang="en-GB" dirty="0"/>
+              <a:t>Amazon Detective </a:t>
+            </a:r>
+            <a:r>
+              <a:rPr lang="en-GB" dirty="0" err="1"/>
+              <a:t>analyzes</a:t>
+            </a:r>
+            <a:r>
+              <a:rPr lang="en-GB" dirty="0"/>
+              <a:t>, investigates, and quickly identifies the root cause of security issues or suspicious activities </a:t>
+            </a:r>
+            <a:r>
+              <a:rPr lang="en-GB" b="1" dirty="0"/>
+              <a:t>using ML and graphs</a:t>
+            </a:r>
+          </a:p>
+          <a:p>
+            <a:r>
+              <a:rPr lang="en-GB" dirty="0"/>
+              <a:t>Automatically collects and processes events from VPC Flow Logs, CloudTrail, and </a:t>
+            </a:r>
+            <a:r>
+              <a:rPr lang="en-GB" dirty="0" err="1"/>
+              <a:t>GuardDuty</a:t>
+            </a:r>
+            <a:r>
+              <a:rPr lang="en-GB" dirty="0"/>
+              <a:t> to create a unified view </a:t>
+            </a:r>
+          </a:p>
+          <a:p>
+            <a:r>
+              <a:rPr lang="en-GB" dirty="0"/>
+              <a:t>Produces visualizations with details and context to get to the root cause</a:t>
+            </a:r>
+            <a:endParaRPr lang="en-CH" dirty="0"/>
+          </a:p>
+        </p:txBody>
+      </p:sp>
+    </p:spTree>
+    <p:extLst>
+      <p:ext uri="{BB962C8B-B14F-4D97-AF65-F5344CB8AC3E}">
+        <p14:creationId xmlns:p14="http://schemas.microsoft.com/office/powerpoint/2010/main" val="471054712"/>
+      </p:ext>
+    </p:extLst>
+  </p:cSld>
+  <p:clrMapOvr>
+    <a:masterClrMapping/>
+  </p:clrMapOvr>
+</p:sld>
+</file>
+
+<file path=ppt/slides/slide4.xml><?xml version="1.0" encoding="utf-8"?>
+<p:sld xmlns:a="http://schemas.openxmlformats.org/drawingml/2006/main" xmlns:r="http://schemas.openxmlformats.org/officeDocument/2006/relationships" xmlns:p="http://schemas.openxmlformats.org/presentationml/2006/main">
+  <p:cSld>
     <p:bg>
       <p:bgPr>
         <a:solidFill>
@@ -6606,7 +6744,7 @@
 </p:sld>
 </file>
 
-<file path=ppt/slides/slide4.xml><?xml version="1.0" encoding="utf-8"?>
+<file path=ppt/slides/slide5.xml><?xml version="1.0" encoding="utf-8"?>
 <p:sld xmlns:a="http://schemas.openxmlformats.org/drawingml/2006/main" xmlns:r="http://schemas.openxmlformats.org/officeDocument/2006/relationships" xmlns:p="http://schemas.openxmlformats.org/presentationml/2006/main">
   <p:cSld>
     <p:bg>
